--- a/doc/07-PresentationOfToolInEntireBeauty/pres.pptx
+++ b/doc/07-PresentationOfToolInEntireBeauty/pres.pptx
@@ -257,7 +257,7 @@
               <a:pPr>
                 <a:defRPr/>
               </a:pPr>
-              <a:t>16.01.18</a:t>
+              <a:t>18.01.18</a:t>
             </a:fld>
             <a:endParaRPr lang="de-CH" dirty="0"/>
           </a:p>
@@ -565,6 +565,104 @@
 </p:notesMaster>
 </file>
 
+<file path=ppt/notesSlides/notesSlide1.xml><?xml version="1.0" encoding="utf-8"?>
+<p:notes xmlns:a="http://schemas.openxmlformats.org/drawingml/2006/main" xmlns:r="http://schemas.openxmlformats.org/officeDocument/2006/relationships" xmlns:p="http://schemas.openxmlformats.org/presentationml/2006/main">
+  <p:cSld>
+    <p:spTree>
+      <p:nvGrpSpPr>
+        <p:cNvPr id="1" name=""/>
+        <p:cNvGrpSpPr/>
+        <p:nvPr/>
+      </p:nvGrpSpPr>
+      <p:grpSpPr>
+        <a:xfrm>
+          <a:off x="0" y="0"/>
+          <a:ext cx="0" cy="0"/>
+          <a:chOff x="0" y="0"/>
+          <a:chExt cx="0" cy="0"/>
+        </a:xfrm>
+      </p:grpSpPr>
+      <p:sp>
+        <p:nvSpPr>
+          <p:cNvPr id="2" name="Slide Image Placeholder 1"/>
+          <p:cNvSpPr>
+            <a:spLocks noGrp="1" noRot="1" noChangeAspect="1"/>
+          </p:cNvSpPr>
+          <p:nvPr>
+            <p:ph type="sldImg"/>
+          </p:nvPr>
+        </p:nvSpPr>
+        <p:spPr/>
+      </p:sp>
+      <p:sp>
+        <p:nvSpPr>
+          <p:cNvPr id="3" name="Notes Placeholder 2"/>
+          <p:cNvSpPr>
+            <a:spLocks noGrp="1"/>
+          </p:cNvSpPr>
+          <p:nvPr>
+            <p:ph type="body" idx="1"/>
+          </p:nvPr>
+        </p:nvSpPr>
+        <p:spPr/>
+        <p:txBody>
+          <a:bodyPr/>
+          <a:lstStyle/>
+          <a:p>
+            <a:r>
+              <a:rPr lang="de-CH" dirty="0" smtClean="0"/>
+              <a:t>-</a:t>
+            </a:r>
+            <a:r>
+              <a:rPr lang="de-CH" baseline="0" dirty="0" smtClean="0"/>
+              <a:t> ca. 7min</a:t>
+            </a:r>
+            <a:endParaRPr lang="de-CH" dirty="0"/>
+          </a:p>
+        </p:txBody>
+      </p:sp>
+      <p:sp>
+        <p:nvSpPr>
+          <p:cNvPr id="4" name="Slide Number Placeholder 3"/>
+          <p:cNvSpPr>
+            <a:spLocks noGrp="1"/>
+          </p:cNvSpPr>
+          <p:nvPr>
+            <p:ph type="sldNum" sz="quarter" idx="10"/>
+          </p:nvPr>
+        </p:nvSpPr>
+        <p:spPr/>
+        <p:txBody>
+          <a:bodyPr/>
+          <a:lstStyle/>
+          <a:p>
+            <a:pPr>
+              <a:defRPr/>
+            </a:pPr>
+            <a:fld id="{EE3A4D74-8AB3-4782-8193-8B0B8D7F57EA}" type="slidenum">
+              <a:rPr lang="de-CH" smtClean="0"/>
+              <a:pPr>
+                <a:defRPr/>
+              </a:pPr>
+              <a:t>2</a:t>
+            </a:fld>
+            <a:endParaRPr lang="de-CH" dirty="0"/>
+          </a:p>
+        </p:txBody>
+      </p:sp>
+    </p:spTree>
+    <p:extLst>
+      <p:ext uri="{BB962C8B-B14F-4D97-AF65-F5344CB8AC3E}">
+        <p14:creationId xmlns:p14="http://schemas.microsoft.com/office/powerpoint/2010/main" val="1602680796"/>
+      </p:ext>
+    </p:extLst>
+  </p:cSld>
+  <p:clrMapOvr>
+    <a:masterClrMapping/>
+  </p:clrMapOvr>
+</p:notes>
+</file>
+
 <file path=ppt/slideLayouts/slideLayout1.xml><?xml version="1.0" encoding="utf-8"?>
 <p:sldLayout xmlns:a="http://schemas.openxmlformats.org/drawingml/2006/main" xmlns:r="http://schemas.openxmlformats.org/officeDocument/2006/relationships" xmlns:p="http://schemas.openxmlformats.org/presentationml/2006/main" preserve="1" userDrawn="1">
   <p:cSld name="Titelfolie mit Bild">
@@ -1192,7 +1290,7 @@
               <a:pPr>
                 <a:defRPr/>
               </a:pPr>
-              <a:t>16.01.18</a:t>
+              <a:t>18.01.18</a:t>
             </a:fld>
             <a:r>
               <a:rPr lang="de-DE" sz="1000" dirty="0"/>
@@ -2629,7 +2727,7 @@
               <a:pPr>
                 <a:defRPr/>
               </a:pPr>
-              <a:t>16.01.18</a:t>
+              <a:t>18.01.18</a:t>
             </a:fld>
             <a:r>
               <a:rPr lang="de-DE" sz="1000" dirty="0"/>
@@ -6732,7 +6830,7 @@
           <p:cNvPr id="14" name="Grafik 13">
             <a:extLst>
               <a:ext uri="{FF2B5EF4-FFF2-40B4-BE49-F238E27FC236}">
-                <a16:creationId xmlns="" xmlns:a16="http://schemas.microsoft.com/office/drawing/2014/main" id="{2E9A2A1D-37DF-4512-A325-1061D0799F67}"/>
+                <a16:creationId xmlns:a16="http://schemas.microsoft.com/office/drawing/2014/main" xmlns="" id="{2E9A2A1D-37DF-4512-A325-1061D0799F67}"/>
               </a:ext>
             </a:extLst>
           </p:cNvPr>
@@ -7664,6 +7762,13 @@
   <p:clrMapOvr>
     <a:masterClrMapping/>
   </p:clrMapOvr>
+  <p:timing>
+    <p:tnLst>
+      <p:par>
+        <p:cTn id="1" dur="indefinite" restart="never" nodeType="tmRoot"/>
+      </p:par>
+    </p:tnLst>
+  </p:timing>
 </p:sld>
 </file>
 

--- a/doc/07-PresentationOfToolInEntireBeauty/pres.pptx
+++ b/doc/07-PresentationOfToolInEntireBeauty/pres.pptx
@@ -257,7 +257,7 @@
               <a:pPr>
                 <a:defRPr/>
               </a:pPr>
-              <a:t>18.01.18</a:t>
+              <a:t>19.01.18</a:t>
             </a:fld>
             <a:endParaRPr lang="de-CH" dirty="0"/>
           </a:p>
@@ -1290,7 +1290,7 @@
               <a:pPr>
                 <a:defRPr/>
               </a:pPr>
-              <a:t>18.01.18</a:t>
+              <a:t>19.01.18</a:t>
             </a:fld>
             <a:r>
               <a:rPr lang="de-DE" sz="1000" dirty="0"/>
@@ -2727,7 +2727,7 @@
               <a:pPr>
                 <a:defRPr/>
               </a:pPr>
-              <a:t>18.01.18</a:t>
+              <a:t>19.01.18</a:t>
             </a:fld>
             <a:r>
               <a:rPr lang="de-DE" sz="1000" dirty="0"/>
@@ -7018,6 +7018,29 @@
           <a:lstStyle/>
           <a:p>
             <a:r>
+              <a:rPr lang="de-CH" dirty="0" err="1" smtClean="0"/>
+              <a:t>Programming</a:t>
+            </a:r>
+            <a:r>
+              <a:rPr lang="de-CH" dirty="0" smtClean="0"/>
+              <a:t> allgemein</a:t>
+            </a:r>
+          </a:p>
+          <a:p>
+            <a:endParaRPr lang="de-CH" dirty="0" smtClean="0"/>
+          </a:p>
+          <a:p>
+            <a:r>
+              <a:rPr lang="de-CH" dirty="0" err="1" smtClean="0"/>
+              <a:t>Vaadin</a:t>
+            </a:r>
+            <a:endParaRPr lang="de-CH" dirty="0" smtClean="0"/>
+          </a:p>
+          <a:p>
+            <a:endParaRPr lang="de-CH" dirty="0" smtClean="0"/>
+          </a:p>
+          <a:p>
+            <a:r>
               <a:rPr lang="de-CH" dirty="0" smtClean="0"/>
               <a:t>URL / Ressource </a:t>
             </a:r>
@@ -7033,7 +7056,7 @@
               <a:rPr lang="de-CH" dirty="0" err="1" smtClean="0"/>
               <a:t>interface</a:t>
             </a:r>
-            <a:endParaRPr lang="de-CH" smtClean="0"/>
+            <a:endParaRPr lang="de-CH" dirty="0" smtClean="0"/>
           </a:p>
           <a:p>
             <a:endParaRPr lang="de-CH" dirty="0"/>
@@ -7053,9 +7076,182 @@
   <p:timing>
     <p:tnLst>
       <p:par>
-        <p:cTn id="1" dur="indefinite" restart="never" nodeType="tmRoot"/>
+        <p:cTn id="1" dur="indefinite" restart="never" nodeType="tmRoot">
+          <p:childTnLst>
+            <p:seq concurrent="1" nextAc="seek">
+              <p:cTn id="2" dur="indefinite" nodeType="mainSeq">
+                <p:childTnLst>
+                  <p:par>
+                    <p:cTn id="3" fill="hold">
+                      <p:stCondLst>
+                        <p:cond delay="indefinite"/>
+                      </p:stCondLst>
+                      <p:childTnLst>
+                        <p:par>
+                          <p:cTn id="4" fill="hold">
+                            <p:stCondLst>
+                              <p:cond delay="0"/>
+                            </p:stCondLst>
+                            <p:childTnLst>
+                              <p:par>
+                                <p:cTn id="5" presetID="1" presetClass="entr" presetSubtype="0" fill="hold" grpId="0" nodeType="clickEffect">
+                                  <p:stCondLst>
+                                    <p:cond delay="0"/>
+                                  </p:stCondLst>
+                                  <p:childTnLst>
+                                    <p:set>
+                                      <p:cBhvr>
+                                        <p:cTn id="6" dur="1" fill="hold">
+                                          <p:stCondLst>
+                                            <p:cond delay="0"/>
+                                          </p:stCondLst>
+                                        </p:cTn>
+                                        <p:tgtEl>
+                                          <p:spTgt spid="5">
+                                            <p:txEl>
+                                              <p:pRg st="0" end="0"/>
+                                            </p:txEl>
+                                          </p:spTgt>
+                                        </p:tgtEl>
+                                        <p:attrNameLst>
+                                          <p:attrName>style.visibility</p:attrName>
+                                        </p:attrNameLst>
+                                      </p:cBhvr>
+                                      <p:to>
+                                        <p:strVal val="visible"/>
+                                      </p:to>
+                                    </p:set>
+                                  </p:childTnLst>
+                                </p:cTn>
+                              </p:par>
+                            </p:childTnLst>
+                          </p:cTn>
+                        </p:par>
+                      </p:childTnLst>
+                    </p:cTn>
+                  </p:par>
+                  <p:par>
+                    <p:cTn id="7" fill="hold">
+                      <p:stCondLst>
+                        <p:cond delay="indefinite"/>
+                      </p:stCondLst>
+                      <p:childTnLst>
+                        <p:par>
+                          <p:cTn id="8" fill="hold">
+                            <p:stCondLst>
+                              <p:cond delay="0"/>
+                            </p:stCondLst>
+                            <p:childTnLst>
+                              <p:par>
+                                <p:cTn id="9" presetID="1" presetClass="entr" presetSubtype="0" fill="hold" grpId="0" nodeType="clickEffect">
+                                  <p:stCondLst>
+                                    <p:cond delay="0"/>
+                                  </p:stCondLst>
+                                  <p:childTnLst>
+                                    <p:set>
+                                      <p:cBhvr>
+                                        <p:cTn id="10" dur="1" fill="hold">
+                                          <p:stCondLst>
+                                            <p:cond delay="0"/>
+                                          </p:stCondLst>
+                                        </p:cTn>
+                                        <p:tgtEl>
+                                          <p:spTgt spid="5">
+                                            <p:txEl>
+                                              <p:pRg st="2" end="2"/>
+                                            </p:txEl>
+                                          </p:spTgt>
+                                        </p:tgtEl>
+                                        <p:attrNameLst>
+                                          <p:attrName>style.visibility</p:attrName>
+                                        </p:attrNameLst>
+                                      </p:cBhvr>
+                                      <p:to>
+                                        <p:strVal val="visible"/>
+                                      </p:to>
+                                    </p:set>
+                                  </p:childTnLst>
+                                </p:cTn>
+                              </p:par>
+                            </p:childTnLst>
+                          </p:cTn>
+                        </p:par>
+                      </p:childTnLst>
+                    </p:cTn>
+                  </p:par>
+                  <p:par>
+                    <p:cTn id="11" fill="hold">
+                      <p:stCondLst>
+                        <p:cond delay="indefinite"/>
+                      </p:stCondLst>
+                      <p:childTnLst>
+                        <p:par>
+                          <p:cTn id="12" fill="hold">
+                            <p:stCondLst>
+                              <p:cond delay="0"/>
+                            </p:stCondLst>
+                            <p:childTnLst>
+                              <p:par>
+                                <p:cTn id="13" presetID="1" presetClass="entr" presetSubtype="0" fill="hold" grpId="0" nodeType="clickEffect">
+                                  <p:stCondLst>
+                                    <p:cond delay="0"/>
+                                  </p:stCondLst>
+                                  <p:childTnLst>
+                                    <p:set>
+                                      <p:cBhvr>
+                                        <p:cTn id="14" dur="1" fill="hold">
+                                          <p:stCondLst>
+                                            <p:cond delay="0"/>
+                                          </p:stCondLst>
+                                        </p:cTn>
+                                        <p:tgtEl>
+                                          <p:spTgt spid="5">
+                                            <p:txEl>
+                                              <p:pRg st="4" end="4"/>
+                                            </p:txEl>
+                                          </p:spTgt>
+                                        </p:tgtEl>
+                                        <p:attrNameLst>
+                                          <p:attrName>style.visibility</p:attrName>
+                                        </p:attrNameLst>
+                                      </p:cBhvr>
+                                      <p:to>
+                                        <p:strVal val="visible"/>
+                                      </p:to>
+                                    </p:set>
+                                  </p:childTnLst>
+                                </p:cTn>
+                              </p:par>
+                            </p:childTnLst>
+                          </p:cTn>
+                        </p:par>
+                      </p:childTnLst>
+                    </p:cTn>
+                  </p:par>
+                </p:childTnLst>
+              </p:cTn>
+              <p:prevCondLst>
+                <p:cond evt="onPrev" delay="0">
+                  <p:tgtEl>
+                    <p:sldTgt/>
+                  </p:tgtEl>
+                </p:cond>
+              </p:prevCondLst>
+              <p:nextCondLst>
+                <p:cond evt="onNext" delay="0">
+                  <p:tgtEl>
+                    <p:sldTgt/>
+                  </p:tgtEl>
+                </p:cond>
+              </p:nextCondLst>
+            </p:seq>
+          </p:childTnLst>
+        </p:cTn>
       </p:par>
     </p:tnLst>
+    <p:bldLst>
+      <p:bldP spid="5" grpId="0" uiExpand="1" build="p"/>
+    </p:bldLst>
   </p:timing>
 </p:sld>
 </file>
@@ -7156,6 +7352,14 @@
             <a:r>
               <a:rPr lang="de-CH" dirty="0" err="1" smtClean="0"/>
               <a:t>Objective</a:t>
+            </a:r>
+            <a:r>
+              <a:rPr lang="de-CH" dirty="0" smtClean="0"/>
+              <a:t>, </a:t>
+            </a:r>
+            <a:r>
+              <a:rPr lang="de-CH" dirty="0" err="1" smtClean="0"/>
+              <a:t>Breadcrumb</a:t>
             </a:r>
             <a:endParaRPr lang="de-CH" dirty="0" smtClean="0"/>
           </a:p>
@@ -7548,9 +7752,231 @@
   <p:timing>
     <p:tnLst>
       <p:par>
-        <p:cTn id="1" dur="indefinite" restart="never" nodeType="tmRoot"/>
+        <p:cTn id="1" dur="indefinite" restart="never" nodeType="tmRoot">
+          <p:childTnLst>
+            <p:seq concurrent="1" nextAc="seek">
+              <p:cTn id="2" dur="indefinite" nodeType="mainSeq">
+                <p:childTnLst>
+                  <p:par>
+                    <p:cTn id="3" fill="hold">
+                      <p:stCondLst>
+                        <p:cond delay="indefinite"/>
+                      </p:stCondLst>
+                      <p:childTnLst>
+                        <p:par>
+                          <p:cTn id="4" fill="hold">
+                            <p:stCondLst>
+                              <p:cond delay="0"/>
+                            </p:stCondLst>
+                            <p:childTnLst>
+                              <p:par>
+                                <p:cTn id="5" presetID="1" presetClass="entr" presetSubtype="0" fill="hold" grpId="0" nodeType="clickEffect">
+                                  <p:stCondLst>
+                                    <p:cond delay="0"/>
+                                  </p:stCondLst>
+                                  <p:childTnLst>
+                                    <p:set>
+                                      <p:cBhvr>
+                                        <p:cTn id="6" dur="1" fill="hold">
+                                          <p:stCondLst>
+                                            <p:cond delay="0"/>
+                                          </p:stCondLst>
+                                        </p:cTn>
+                                        <p:tgtEl>
+                                          <p:spTgt spid="5">
+                                            <p:txEl>
+                                              <p:pRg st="0" end="0"/>
+                                            </p:txEl>
+                                          </p:spTgt>
+                                        </p:tgtEl>
+                                        <p:attrNameLst>
+                                          <p:attrName>style.visibility</p:attrName>
+                                        </p:attrNameLst>
+                                      </p:cBhvr>
+                                      <p:to>
+                                        <p:strVal val="visible"/>
+                                      </p:to>
+                                    </p:set>
+                                  </p:childTnLst>
+                                </p:cTn>
+                              </p:par>
+                            </p:childTnLst>
+                          </p:cTn>
+                        </p:par>
+                      </p:childTnLst>
+                    </p:cTn>
+                  </p:par>
+                  <p:par>
+                    <p:cTn id="7" fill="hold">
+                      <p:stCondLst>
+                        <p:cond delay="indefinite"/>
+                      </p:stCondLst>
+                      <p:childTnLst>
+                        <p:par>
+                          <p:cTn id="8" fill="hold">
+                            <p:stCondLst>
+                              <p:cond delay="0"/>
+                            </p:stCondLst>
+                            <p:childTnLst>
+                              <p:par>
+                                <p:cTn id="9" presetID="1" presetClass="entr" presetSubtype="0" fill="hold" grpId="0" nodeType="clickEffect">
+                                  <p:stCondLst>
+                                    <p:cond delay="0"/>
+                                  </p:stCondLst>
+                                  <p:childTnLst>
+                                    <p:set>
+                                      <p:cBhvr>
+                                        <p:cTn id="10" dur="1" fill="hold">
+                                          <p:stCondLst>
+                                            <p:cond delay="0"/>
+                                          </p:stCondLst>
+                                        </p:cTn>
+                                        <p:tgtEl>
+                                          <p:spTgt spid="5">
+                                            <p:txEl>
+                                              <p:pRg st="2" end="2"/>
+                                            </p:txEl>
+                                          </p:spTgt>
+                                        </p:tgtEl>
+                                        <p:attrNameLst>
+                                          <p:attrName>style.visibility</p:attrName>
+                                        </p:attrNameLst>
+                                      </p:cBhvr>
+                                      <p:to>
+                                        <p:strVal val="visible"/>
+                                      </p:to>
+                                    </p:set>
+                                  </p:childTnLst>
+                                </p:cTn>
+                              </p:par>
+                            </p:childTnLst>
+                          </p:cTn>
+                        </p:par>
+                      </p:childTnLst>
+                    </p:cTn>
+                  </p:par>
+                  <p:par>
+                    <p:cTn id="11" fill="hold">
+                      <p:stCondLst>
+                        <p:cond delay="indefinite"/>
+                      </p:stCondLst>
+                      <p:childTnLst>
+                        <p:par>
+                          <p:cTn id="12" fill="hold">
+                            <p:stCondLst>
+                              <p:cond delay="0"/>
+                            </p:stCondLst>
+                            <p:childTnLst>
+                              <p:par>
+                                <p:cTn id="13" presetID="1" presetClass="entr" presetSubtype="0" fill="hold" grpId="0" nodeType="clickEffect">
+                                  <p:stCondLst>
+                                    <p:cond delay="0"/>
+                                  </p:stCondLst>
+                                  <p:childTnLst>
+                                    <p:set>
+                                      <p:cBhvr>
+                                        <p:cTn id="14" dur="1" fill="hold">
+                                          <p:stCondLst>
+                                            <p:cond delay="0"/>
+                                          </p:stCondLst>
+                                        </p:cTn>
+                                        <p:tgtEl>
+                                          <p:spTgt spid="5">
+                                            <p:txEl>
+                                              <p:pRg st="4" end="4"/>
+                                            </p:txEl>
+                                          </p:spTgt>
+                                        </p:tgtEl>
+                                        <p:attrNameLst>
+                                          <p:attrName>style.visibility</p:attrName>
+                                        </p:attrNameLst>
+                                      </p:cBhvr>
+                                      <p:to>
+                                        <p:strVal val="visible"/>
+                                      </p:to>
+                                    </p:set>
+                                  </p:childTnLst>
+                                </p:cTn>
+                              </p:par>
+                            </p:childTnLst>
+                          </p:cTn>
+                        </p:par>
+                      </p:childTnLst>
+                    </p:cTn>
+                  </p:par>
+                  <p:par>
+                    <p:cTn id="15" fill="hold">
+                      <p:stCondLst>
+                        <p:cond delay="indefinite"/>
+                      </p:stCondLst>
+                      <p:childTnLst>
+                        <p:par>
+                          <p:cTn id="16" fill="hold">
+                            <p:stCondLst>
+                              <p:cond delay="0"/>
+                            </p:stCondLst>
+                            <p:childTnLst>
+                              <p:par>
+                                <p:cTn id="17" presetID="1" presetClass="entr" presetSubtype="0" fill="hold" grpId="0" nodeType="clickEffect">
+                                  <p:stCondLst>
+                                    <p:cond delay="0"/>
+                                  </p:stCondLst>
+                                  <p:childTnLst>
+                                    <p:set>
+                                      <p:cBhvr>
+                                        <p:cTn id="18" dur="1" fill="hold">
+                                          <p:stCondLst>
+                                            <p:cond delay="0"/>
+                                          </p:stCondLst>
+                                        </p:cTn>
+                                        <p:tgtEl>
+                                          <p:spTgt spid="5">
+                                            <p:txEl>
+                                              <p:pRg st="6" end="6"/>
+                                            </p:txEl>
+                                          </p:spTgt>
+                                        </p:tgtEl>
+                                        <p:attrNameLst>
+                                          <p:attrName>style.visibility</p:attrName>
+                                        </p:attrNameLst>
+                                      </p:cBhvr>
+                                      <p:to>
+                                        <p:strVal val="visible"/>
+                                      </p:to>
+                                    </p:set>
+                                  </p:childTnLst>
+                                </p:cTn>
+                              </p:par>
+                            </p:childTnLst>
+                          </p:cTn>
+                        </p:par>
+                      </p:childTnLst>
+                    </p:cTn>
+                  </p:par>
+                </p:childTnLst>
+              </p:cTn>
+              <p:prevCondLst>
+                <p:cond evt="onPrev" delay="0">
+                  <p:tgtEl>
+                    <p:sldTgt/>
+                  </p:tgtEl>
+                </p:cond>
+              </p:prevCondLst>
+              <p:nextCondLst>
+                <p:cond evt="onNext" delay="0">
+                  <p:tgtEl>
+                    <p:sldTgt/>
+                  </p:tgtEl>
+                </p:cond>
+              </p:nextCondLst>
+            </p:seq>
+          </p:childTnLst>
+        </p:cTn>
       </p:par>
     </p:tnLst>
+    <p:bldLst>
+      <p:bldP spid="5" grpId="0" uiExpand="1" build="p"/>
+    </p:bldLst>
   </p:timing>
 </p:sld>
 </file>
@@ -7638,7 +8064,6 @@
               <a:rPr lang="de-CH" dirty="0" smtClean="0"/>
               <a:t>Sehr unterstützend, aktueller Stand war immer klar, fördert Zusammenarbeit</a:t>
             </a:r>
-            <a:endParaRPr lang="de-CH" dirty="0"/>
           </a:p>
         </p:txBody>
       </p:sp>
@@ -7686,9 +8111,280 @@
   <p:timing>
     <p:tnLst>
       <p:par>
-        <p:cTn id="1" dur="indefinite" restart="never" nodeType="tmRoot"/>
+        <p:cTn id="1" dur="indefinite" restart="never" nodeType="tmRoot">
+          <p:childTnLst>
+            <p:seq concurrent="1" nextAc="seek">
+              <p:cTn id="2" dur="indefinite" nodeType="mainSeq">
+                <p:childTnLst>
+                  <p:par>
+                    <p:cTn id="3" fill="hold">
+                      <p:stCondLst>
+                        <p:cond delay="indefinite"/>
+                      </p:stCondLst>
+                      <p:childTnLst>
+                        <p:par>
+                          <p:cTn id="4" fill="hold">
+                            <p:stCondLst>
+                              <p:cond delay="0"/>
+                            </p:stCondLst>
+                            <p:childTnLst>
+                              <p:par>
+                                <p:cTn id="5" presetID="1" presetClass="entr" presetSubtype="0" fill="hold" grpId="0" nodeType="clickEffect">
+                                  <p:stCondLst>
+                                    <p:cond delay="0"/>
+                                  </p:stCondLst>
+                                  <p:childTnLst>
+                                    <p:set>
+                                      <p:cBhvr>
+                                        <p:cTn id="6" dur="1" fill="hold">
+                                          <p:stCondLst>
+                                            <p:cond delay="0"/>
+                                          </p:stCondLst>
+                                        </p:cTn>
+                                        <p:tgtEl>
+                                          <p:spTgt spid="2">
+                                            <p:txEl>
+                                              <p:pRg st="0" end="0"/>
+                                            </p:txEl>
+                                          </p:spTgt>
+                                        </p:tgtEl>
+                                        <p:attrNameLst>
+                                          <p:attrName>style.visibility</p:attrName>
+                                        </p:attrNameLst>
+                                      </p:cBhvr>
+                                      <p:to>
+                                        <p:strVal val="visible"/>
+                                      </p:to>
+                                    </p:set>
+                                  </p:childTnLst>
+                                </p:cTn>
+                              </p:par>
+                            </p:childTnLst>
+                          </p:cTn>
+                        </p:par>
+                      </p:childTnLst>
+                    </p:cTn>
+                  </p:par>
+                  <p:par>
+                    <p:cTn id="7" fill="hold">
+                      <p:stCondLst>
+                        <p:cond delay="indefinite"/>
+                      </p:stCondLst>
+                      <p:childTnLst>
+                        <p:par>
+                          <p:cTn id="8" fill="hold">
+                            <p:stCondLst>
+                              <p:cond delay="0"/>
+                            </p:stCondLst>
+                            <p:childTnLst>
+                              <p:par>
+                                <p:cTn id="9" presetID="1" presetClass="entr" presetSubtype="0" fill="hold" grpId="0" nodeType="clickEffect">
+                                  <p:stCondLst>
+                                    <p:cond delay="0"/>
+                                  </p:stCondLst>
+                                  <p:childTnLst>
+                                    <p:set>
+                                      <p:cBhvr>
+                                        <p:cTn id="10" dur="1" fill="hold">
+                                          <p:stCondLst>
+                                            <p:cond delay="0"/>
+                                          </p:stCondLst>
+                                        </p:cTn>
+                                        <p:tgtEl>
+                                          <p:spTgt spid="2">
+                                            <p:txEl>
+                                              <p:pRg st="2" end="2"/>
+                                            </p:txEl>
+                                          </p:spTgt>
+                                        </p:tgtEl>
+                                        <p:attrNameLst>
+                                          <p:attrName>style.visibility</p:attrName>
+                                        </p:attrNameLst>
+                                      </p:cBhvr>
+                                      <p:to>
+                                        <p:strVal val="visible"/>
+                                      </p:to>
+                                    </p:set>
+                                  </p:childTnLst>
+                                </p:cTn>
+                              </p:par>
+                            </p:childTnLst>
+                          </p:cTn>
+                        </p:par>
+                      </p:childTnLst>
+                    </p:cTn>
+                  </p:par>
+                  <p:par>
+                    <p:cTn id="11" fill="hold">
+                      <p:stCondLst>
+                        <p:cond delay="indefinite"/>
+                      </p:stCondLst>
+                      <p:childTnLst>
+                        <p:par>
+                          <p:cTn id="12" fill="hold">
+                            <p:stCondLst>
+                              <p:cond delay="0"/>
+                            </p:stCondLst>
+                            <p:childTnLst>
+                              <p:par>
+                                <p:cTn id="13" presetID="1" presetClass="entr" presetSubtype="0" fill="hold" grpId="0" nodeType="clickEffect">
+                                  <p:stCondLst>
+                                    <p:cond delay="0"/>
+                                  </p:stCondLst>
+                                  <p:childTnLst>
+                                    <p:set>
+                                      <p:cBhvr>
+                                        <p:cTn id="14" dur="1" fill="hold">
+                                          <p:stCondLst>
+                                            <p:cond delay="0"/>
+                                          </p:stCondLst>
+                                        </p:cTn>
+                                        <p:tgtEl>
+                                          <p:spTgt spid="2">
+                                            <p:txEl>
+                                              <p:pRg st="4" end="4"/>
+                                            </p:txEl>
+                                          </p:spTgt>
+                                        </p:tgtEl>
+                                        <p:attrNameLst>
+                                          <p:attrName>style.visibility</p:attrName>
+                                        </p:attrNameLst>
+                                      </p:cBhvr>
+                                      <p:to>
+                                        <p:strVal val="visible"/>
+                                      </p:to>
+                                    </p:set>
+                                  </p:childTnLst>
+                                </p:cTn>
+                              </p:par>
+                            </p:childTnLst>
+                          </p:cTn>
+                        </p:par>
+                      </p:childTnLst>
+                    </p:cTn>
+                  </p:par>
+                  <p:par>
+                    <p:cTn id="15" fill="hold">
+                      <p:stCondLst>
+                        <p:cond delay="indefinite"/>
+                      </p:stCondLst>
+                      <p:childTnLst>
+                        <p:par>
+                          <p:cTn id="16" fill="hold">
+                            <p:stCondLst>
+                              <p:cond delay="0"/>
+                            </p:stCondLst>
+                            <p:childTnLst>
+                              <p:par>
+                                <p:cTn id="17" presetID="1" presetClass="entr" presetSubtype="0" fill="hold" grpId="0" nodeType="clickEffect">
+                                  <p:stCondLst>
+                                    <p:cond delay="0"/>
+                                  </p:stCondLst>
+                                  <p:childTnLst>
+                                    <p:set>
+                                      <p:cBhvr>
+                                        <p:cTn id="18" dur="1" fill="hold">
+                                          <p:stCondLst>
+                                            <p:cond delay="0"/>
+                                          </p:stCondLst>
+                                        </p:cTn>
+                                        <p:tgtEl>
+                                          <p:spTgt spid="2">
+                                            <p:txEl>
+                                              <p:pRg st="6" end="6"/>
+                                            </p:txEl>
+                                          </p:spTgt>
+                                        </p:tgtEl>
+                                        <p:attrNameLst>
+                                          <p:attrName>style.visibility</p:attrName>
+                                        </p:attrNameLst>
+                                      </p:cBhvr>
+                                      <p:to>
+                                        <p:strVal val="visible"/>
+                                      </p:to>
+                                    </p:set>
+                                  </p:childTnLst>
+                                </p:cTn>
+                              </p:par>
+                            </p:childTnLst>
+                          </p:cTn>
+                        </p:par>
+                      </p:childTnLst>
+                    </p:cTn>
+                  </p:par>
+                  <p:par>
+                    <p:cTn id="19" fill="hold">
+                      <p:stCondLst>
+                        <p:cond delay="indefinite"/>
+                      </p:stCondLst>
+                      <p:childTnLst>
+                        <p:par>
+                          <p:cTn id="20" fill="hold">
+                            <p:stCondLst>
+                              <p:cond delay="0"/>
+                            </p:stCondLst>
+                            <p:childTnLst>
+                              <p:par>
+                                <p:cTn id="21" presetID="1" presetClass="entr" presetSubtype="0" fill="hold" grpId="0" nodeType="clickEffect">
+                                  <p:stCondLst>
+                                    <p:cond delay="0"/>
+                                  </p:stCondLst>
+                                  <p:childTnLst>
+                                    <p:set>
+                                      <p:cBhvr>
+                                        <p:cTn id="22" dur="1" fill="hold">
+                                          <p:stCondLst>
+                                            <p:cond delay="0"/>
+                                          </p:stCondLst>
+                                        </p:cTn>
+                                        <p:tgtEl>
+                                          <p:spTgt spid="2">
+                                            <p:txEl>
+                                              <p:pRg st="9" end="9"/>
+                                            </p:txEl>
+                                          </p:spTgt>
+                                        </p:tgtEl>
+                                        <p:attrNameLst>
+                                          <p:attrName>style.visibility</p:attrName>
+                                        </p:attrNameLst>
+                                      </p:cBhvr>
+                                      <p:to>
+                                        <p:strVal val="visible"/>
+                                      </p:to>
+                                    </p:set>
+                                  </p:childTnLst>
+                                </p:cTn>
+                              </p:par>
+                            </p:childTnLst>
+                          </p:cTn>
+                        </p:par>
+                      </p:childTnLst>
+                    </p:cTn>
+                  </p:par>
+                </p:childTnLst>
+              </p:cTn>
+              <p:prevCondLst>
+                <p:cond evt="onPrev" delay="0">
+                  <p:tgtEl>
+                    <p:sldTgt/>
+                  </p:tgtEl>
+                </p:cond>
+              </p:prevCondLst>
+              <p:nextCondLst>
+                <p:cond evt="onNext" delay="0">
+                  <p:tgtEl>
+                    <p:sldTgt/>
+                  </p:tgtEl>
+                </p:cond>
+              </p:nextCondLst>
+            </p:seq>
+          </p:childTnLst>
+        </p:cTn>
       </p:par>
     </p:tnLst>
+    <p:bldLst>
+      <p:bldP spid="2" grpId="0" uiExpand="1" build="p"/>
+    </p:bldLst>
   </p:timing>
 </p:sld>
 </file>
